--- a/Report & PPT/Project Work/Ppt/Technologies Used.pptx
+++ b/Report & PPT/Project Work/Ppt/Technologies Used.pptx
@@ -115,6 +115,11 @@
       </a:defRPr>
     </a:lvl9pPr>
   </p:defaultTextStyle>
+  <p:extLst>
+    <p:ext uri="{EFAFB233-063F-42B5-8137-9DF3F51BA10A}">
+      <p15:sldGuideLst xmlns:p15="http://schemas.microsoft.com/office/powerpoint/2012/main"/>
+    </p:ext>
+  </p:extLst>
 </p:presentation>
 </file>
 
@@ -265,7 +270,7 @@
           <a:p>
             <a:fld id="{25B2FB54-3C7D-4DDE-ABA0-C23E3477CEFB}" type="datetimeFigureOut">
               <a:rPr lang="en-US" smtClean="0"/>
-              <a:t>05-Oct-24</a:t>
+              <a:t>29-Oct-24</a:t>
             </a:fld>
             <a:endParaRPr lang="en-US"/>
           </a:p>
@@ -463,7 +468,7 @@
           <a:p>
             <a:fld id="{25B2FB54-3C7D-4DDE-ABA0-C23E3477CEFB}" type="datetimeFigureOut">
               <a:rPr lang="en-US" smtClean="0"/>
-              <a:t>05-Oct-24</a:t>
+              <a:t>29-Oct-24</a:t>
             </a:fld>
             <a:endParaRPr lang="en-US"/>
           </a:p>
@@ -671,7 +676,7 @@
           <a:p>
             <a:fld id="{25B2FB54-3C7D-4DDE-ABA0-C23E3477CEFB}" type="datetimeFigureOut">
               <a:rPr lang="en-US" smtClean="0"/>
-              <a:t>05-Oct-24</a:t>
+              <a:t>29-Oct-24</a:t>
             </a:fld>
             <a:endParaRPr lang="en-US"/>
           </a:p>
@@ -869,7 +874,7 @@
           <a:p>
             <a:fld id="{25B2FB54-3C7D-4DDE-ABA0-C23E3477CEFB}" type="datetimeFigureOut">
               <a:rPr lang="en-US" smtClean="0"/>
-              <a:t>05-Oct-24</a:t>
+              <a:t>29-Oct-24</a:t>
             </a:fld>
             <a:endParaRPr lang="en-US"/>
           </a:p>
@@ -1144,7 +1149,7 @@
           <a:p>
             <a:fld id="{25B2FB54-3C7D-4DDE-ABA0-C23E3477CEFB}" type="datetimeFigureOut">
               <a:rPr lang="en-US" smtClean="0"/>
-              <a:t>05-Oct-24</a:t>
+              <a:t>29-Oct-24</a:t>
             </a:fld>
             <a:endParaRPr lang="en-US"/>
           </a:p>
@@ -1409,7 +1414,7 @@
           <a:p>
             <a:fld id="{25B2FB54-3C7D-4DDE-ABA0-C23E3477CEFB}" type="datetimeFigureOut">
               <a:rPr lang="en-US" smtClean="0"/>
-              <a:t>05-Oct-24</a:t>
+              <a:t>29-Oct-24</a:t>
             </a:fld>
             <a:endParaRPr lang="en-US"/>
           </a:p>
@@ -1821,7 +1826,7 @@
           <a:p>
             <a:fld id="{25B2FB54-3C7D-4DDE-ABA0-C23E3477CEFB}" type="datetimeFigureOut">
               <a:rPr lang="en-US" smtClean="0"/>
-              <a:t>05-Oct-24</a:t>
+              <a:t>29-Oct-24</a:t>
             </a:fld>
             <a:endParaRPr lang="en-US"/>
           </a:p>
@@ -1962,7 +1967,7 @@
           <a:p>
             <a:fld id="{25B2FB54-3C7D-4DDE-ABA0-C23E3477CEFB}" type="datetimeFigureOut">
               <a:rPr lang="en-US" smtClean="0"/>
-              <a:t>05-Oct-24</a:t>
+              <a:t>29-Oct-24</a:t>
             </a:fld>
             <a:endParaRPr lang="en-US"/>
           </a:p>
@@ -2075,7 +2080,7 @@
           <a:p>
             <a:fld id="{25B2FB54-3C7D-4DDE-ABA0-C23E3477CEFB}" type="datetimeFigureOut">
               <a:rPr lang="en-US" smtClean="0"/>
-              <a:t>05-Oct-24</a:t>
+              <a:t>29-Oct-24</a:t>
             </a:fld>
             <a:endParaRPr lang="en-US"/>
           </a:p>
@@ -2386,7 +2391,7 @@
           <a:p>
             <a:fld id="{25B2FB54-3C7D-4DDE-ABA0-C23E3477CEFB}" type="datetimeFigureOut">
               <a:rPr lang="en-US" smtClean="0"/>
-              <a:t>05-Oct-24</a:t>
+              <a:t>29-Oct-24</a:t>
             </a:fld>
             <a:endParaRPr lang="en-US"/>
           </a:p>
@@ -2674,7 +2679,7 @@
           <a:p>
             <a:fld id="{25B2FB54-3C7D-4DDE-ABA0-C23E3477CEFB}" type="datetimeFigureOut">
               <a:rPr lang="en-US" smtClean="0"/>
-              <a:t>05-Oct-24</a:t>
+              <a:t>29-Oct-24</a:t>
             </a:fld>
             <a:endParaRPr lang="en-US"/>
           </a:p>
@@ -2915,7 +2920,7 @@
           <a:p>
             <a:fld id="{25B2FB54-3C7D-4DDE-ABA0-C23E3477CEFB}" type="datetimeFigureOut">
               <a:rPr lang="en-US" smtClean="0"/>
-              <a:t>05-Oct-24</a:t>
+              <a:t>29-Oct-24</a:t>
             </a:fld>
             <a:endParaRPr lang="en-US"/>
           </a:p>
@@ -4678,8 +4683,12 @@
           </a:p>
           <a:p>
             <a:r>
+              <a:rPr lang="en-US"/>
+              <a:t>Prefer </a:t>
+            </a:r>
+            <a:r>
               <a:rPr lang="en-US" dirty="0"/>
-              <a:t>You prefer fast development and deployment.</a:t>
+              <a:t>fast development and deployment.</a:t>
             </a:r>
           </a:p>
         </p:txBody>

--- a/Report & PPT/Project Work/Ppt/Technologies Used.pptx
+++ b/Report & PPT/Project Work/Ppt/Technologies Used.pptx
@@ -17,6 +17,8 @@
     <p:sldId id="264" r:id="rId11"/>
     <p:sldId id="266" r:id="rId12"/>
     <p:sldId id="265" r:id="rId13"/>
+    <p:sldId id="268" r:id="rId14"/>
+    <p:sldId id="269" r:id="rId15"/>
   </p:sldIdLst>
   <p:sldSz cx="12192000" cy="6858000"/>
   <p:notesSz cx="6858000" cy="9144000"/>
@@ -270,7 +272,7 @@
           <a:p>
             <a:fld id="{25B2FB54-3C7D-4DDE-ABA0-C23E3477CEFB}" type="datetimeFigureOut">
               <a:rPr lang="en-US" smtClean="0"/>
-              <a:t>29-Oct-24</a:t>
+              <a:t>30-Oct-24</a:t>
             </a:fld>
             <a:endParaRPr lang="en-US"/>
           </a:p>
@@ -468,7 +470,7 @@
           <a:p>
             <a:fld id="{25B2FB54-3C7D-4DDE-ABA0-C23E3477CEFB}" type="datetimeFigureOut">
               <a:rPr lang="en-US" smtClean="0"/>
-              <a:t>29-Oct-24</a:t>
+              <a:t>30-Oct-24</a:t>
             </a:fld>
             <a:endParaRPr lang="en-US"/>
           </a:p>
@@ -676,7 +678,7 @@
           <a:p>
             <a:fld id="{25B2FB54-3C7D-4DDE-ABA0-C23E3477CEFB}" type="datetimeFigureOut">
               <a:rPr lang="en-US" smtClean="0"/>
-              <a:t>29-Oct-24</a:t>
+              <a:t>30-Oct-24</a:t>
             </a:fld>
             <a:endParaRPr lang="en-US"/>
           </a:p>
@@ -874,7 +876,7 @@
           <a:p>
             <a:fld id="{25B2FB54-3C7D-4DDE-ABA0-C23E3477CEFB}" type="datetimeFigureOut">
               <a:rPr lang="en-US" smtClean="0"/>
-              <a:t>29-Oct-24</a:t>
+              <a:t>30-Oct-24</a:t>
             </a:fld>
             <a:endParaRPr lang="en-US"/>
           </a:p>
@@ -1149,7 +1151,7 @@
           <a:p>
             <a:fld id="{25B2FB54-3C7D-4DDE-ABA0-C23E3477CEFB}" type="datetimeFigureOut">
               <a:rPr lang="en-US" smtClean="0"/>
-              <a:t>29-Oct-24</a:t>
+              <a:t>30-Oct-24</a:t>
             </a:fld>
             <a:endParaRPr lang="en-US"/>
           </a:p>
@@ -1414,7 +1416,7 @@
           <a:p>
             <a:fld id="{25B2FB54-3C7D-4DDE-ABA0-C23E3477CEFB}" type="datetimeFigureOut">
               <a:rPr lang="en-US" smtClean="0"/>
-              <a:t>29-Oct-24</a:t>
+              <a:t>30-Oct-24</a:t>
             </a:fld>
             <a:endParaRPr lang="en-US"/>
           </a:p>
@@ -1826,7 +1828,7 @@
           <a:p>
             <a:fld id="{25B2FB54-3C7D-4DDE-ABA0-C23E3477CEFB}" type="datetimeFigureOut">
               <a:rPr lang="en-US" smtClean="0"/>
-              <a:t>29-Oct-24</a:t>
+              <a:t>30-Oct-24</a:t>
             </a:fld>
             <a:endParaRPr lang="en-US"/>
           </a:p>
@@ -1967,7 +1969,7 @@
           <a:p>
             <a:fld id="{25B2FB54-3C7D-4DDE-ABA0-C23E3477CEFB}" type="datetimeFigureOut">
               <a:rPr lang="en-US" smtClean="0"/>
-              <a:t>29-Oct-24</a:t>
+              <a:t>30-Oct-24</a:t>
             </a:fld>
             <a:endParaRPr lang="en-US"/>
           </a:p>
@@ -2080,7 +2082,7 @@
           <a:p>
             <a:fld id="{25B2FB54-3C7D-4DDE-ABA0-C23E3477CEFB}" type="datetimeFigureOut">
               <a:rPr lang="en-US" smtClean="0"/>
-              <a:t>29-Oct-24</a:t>
+              <a:t>30-Oct-24</a:t>
             </a:fld>
             <a:endParaRPr lang="en-US"/>
           </a:p>
@@ -2391,7 +2393,7 @@
           <a:p>
             <a:fld id="{25B2FB54-3C7D-4DDE-ABA0-C23E3477CEFB}" type="datetimeFigureOut">
               <a:rPr lang="en-US" smtClean="0"/>
-              <a:t>29-Oct-24</a:t>
+              <a:t>30-Oct-24</a:t>
             </a:fld>
             <a:endParaRPr lang="en-US"/>
           </a:p>
@@ -2679,7 +2681,7 @@
           <a:p>
             <a:fld id="{25B2FB54-3C7D-4DDE-ABA0-C23E3477CEFB}" type="datetimeFigureOut">
               <a:rPr lang="en-US" smtClean="0"/>
-              <a:t>29-Oct-24</a:t>
+              <a:t>30-Oct-24</a:t>
             </a:fld>
             <a:endParaRPr lang="en-US"/>
           </a:p>
@@ -2920,7 +2922,7 @@
           <a:p>
             <a:fld id="{25B2FB54-3C7D-4DDE-ABA0-C23E3477CEFB}" type="datetimeFigureOut">
               <a:rPr lang="en-US" smtClean="0"/>
-              <a:t>29-Oct-24</a:t>
+              <a:t>30-Oct-24</a:t>
             </a:fld>
             <a:endParaRPr lang="en-US"/>
           </a:p>
@@ -3459,15 +3461,7 @@
           <a:p>
             <a:r>
               <a:rPr lang="en-US" b="1" dirty="0"/>
-              <a:t>Why Choose </a:t>
-            </a:r>
-            <a:r>
-              <a:rPr lang="en-US" b="1" dirty="0" err="1"/>
-              <a:t>GetStream</a:t>
-            </a:r>
-            <a:r>
-              <a:rPr lang="en-US" b="1" dirty="0"/>
-              <a:t>?</a:t>
+              <a:t>Why Choose GetStream?</a:t>
             </a:r>
           </a:p>
         </p:txBody>
@@ -3540,15 +3534,7 @@
           <a:p>
             <a:r>
               <a:rPr lang="en-US" b="1" dirty="0"/>
-              <a:t>Why </a:t>
-            </a:r>
-            <a:r>
-              <a:rPr lang="en-US" b="1" dirty="0" err="1"/>
-              <a:t>GetStream</a:t>
-            </a:r>
-            <a:r>
-              <a:rPr lang="en-US" b="1" dirty="0"/>
-              <a:t> over </a:t>
+              <a:t>Why GetStream over </a:t>
             </a:r>
             <a:r>
               <a:rPr lang="en-US" b="1" dirty="0" err="1"/>
@@ -3998,6 +3984,677 @@
     <p:extLst>
       <p:ext uri="{BB962C8B-B14F-4D97-AF65-F5344CB8AC3E}">
         <p14:creationId xmlns:p14="http://schemas.microsoft.com/office/powerpoint/2010/main" val="191979394"/>
+      </p:ext>
+    </p:extLst>
+  </p:cSld>
+  <p:clrMapOvr>
+    <a:masterClrMapping/>
+  </p:clrMapOvr>
+</p:sld>
+</file>
+
+<file path=ppt/slides/slide13.xml><?xml version="1.0" encoding="utf-8"?>
+<p:sld xmlns:a="http://schemas.openxmlformats.org/drawingml/2006/main" xmlns:r="http://schemas.openxmlformats.org/officeDocument/2006/relationships" xmlns:p="http://schemas.openxmlformats.org/presentationml/2006/main">
+  <p:cSld>
+    <p:bg>
+      <p:bgPr>
+        <a:blipFill dpi="0" rotWithShape="1">
+          <a:blip r:embed="rId2">
+            <a:alphaModFix amt="46000"/>
+            <a:lum/>
+          </a:blip>
+          <a:srcRect/>
+          <a:stretch>
+            <a:fillRect/>
+          </a:stretch>
+        </a:blipFill>
+        <a:effectLst/>
+      </p:bgPr>
+    </p:bg>
+    <p:spTree>
+      <p:nvGrpSpPr>
+        <p:cNvPr id="1" name="">
+          <a:extLst>
+            <a:ext uri="{FF2B5EF4-FFF2-40B4-BE49-F238E27FC236}">
+              <a16:creationId xmlns:a16="http://schemas.microsoft.com/office/drawing/2014/main" id="{23B8D145-246B-3055-40F5-B554A8274CFE}"/>
+            </a:ext>
+          </a:extLst>
+        </p:cNvPr>
+        <p:cNvGrpSpPr/>
+        <p:nvPr/>
+      </p:nvGrpSpPr>
+      <p:grpSpPr>
+        <a:xfrm>
+          <a:off x="0" y="0"/>
+          <a:ext cx="0" cy="0"/>
+          <a:chOff x="0" y="0"/>
+          <a:chExt cx="0" cy="0"/>
+        </a:xfrm>
+      </p:grpSpPr>
+      <p:sp>
+        <p:nvSpPr>
+          <p:cNvPr id="2" name="Title 1">
+            <a:extLst>
+              <a:ext uri="{FF2B5EF4-FFF2-40B4-BE49-F238E27FC236}">
+                <a16:creationId xmlns:a16="http://schemas.microsoft.com/office/drawing/2014/main" id="{F8E056B2-E636-CFAF-5214-AE80B160B6EB}"/>
+              </a:ext>
+            </a:extLst>
+          </p:cNvPr>
+          <p:cNvSpPr txBox="1">
+            <a:spLocks/>
+          </p:cNvSpPr>
+          <p:nvPr/>
+        </p:nvSpPr>
+        <p:spPr>
+          <a:xfrm>
+            <a:off x="838200" y="365125"/>
+            <a:ext cx="10515600" cy="1325563"/>
+          </a:xfrm>
+          <a:prstGeom prst="rect">
+            <a:avLst/>
+          </a:prstGeom>
+        </p:spPr>
+        <p:txBody>
+          <a:bodyPr/>
+          <a:lstStyle>
+            <a:lvl1pPr algn="l" defTabSz="914400" rtl="0" eaLnBrk="1" latinLnBrk="0" hangingPunct="1">
+              <a:lnSpc>
+                <a:spcPct val="90000"/>
+              </a:lnSpc>
+              <a:spcBef>
+                <a:spcPct val="0"/>
+              </a:spcBef>
+              <a:buNone/>
+              <a:defRPr sz="4400" kern="1200">
+                <a:solidFill>
+                  <a:schemeClr val="tx1"/>
+                </a:solidFill>
+                <a:latin typeface="+mj-lt"/>
+                <a:ea typeface="+mj-ea"/>
+                <a:cs typeface="+mj-cs"/>
+              </a:defRPr>
+            </a:lvl1pPr>
+          </a:lstStyle>
+          <a:p>
+            <a:r>
+              <a:rPr lang="en-US" dirty="0"/>
+              <a:t>Get Stream can Handle Multiple Users</a:t>
+            </a:r>
+          </a:p>
+        </p:txBody>
+      </p:sp>
+      <p:sp>
+        <p:nvSpPr>
+          <p:cNvPr id="4" name="Content Placeholder 2">
+            <a:extLst>
+              <a:ext uri="{FF2B5EF4-FFF2-40B4-BE49-F238E27FC236}">
+                <a16:creationId xmlns:a16="http://schemas.microsoft.com/office/drawing/2014/main" id="{769FF90F-E52D-EA7A-ADB0-F9188976CFEF}"/>
+              </a:ext>
+            </a:extLst>
+          </p:cNvPr>
+          <p:cNvSpPr txBox="1">
+            <a:spLocks/>
+          </p:cNvSpPr>
+          <p:nvPr/>
+        </p:nvSpPr>
+        <p:spPr>
+          <a:xfrm>
+            <a:off x="838200" y="1825625"/>
+            <a:ext cx="10515600" cy="4351338"/>
+          </a:xfrm>
+          <a:prstGeom prst="rect">
+            <a:avLst/>
+          </a:prstGeom>
+        </p:spPr>
+        <p:txBody>
+          <a:bodyPr/>
+          <a:lstStyle>
+            <a:lvl1pPr marL="228600" indent="-228600" algn="l" defTabSz="914400" rtl="0" eaLnBrk="1" latinLnBrk="0" hangingPunct="1">
+              <a:lnSpc>
+                <a:spcPct val="90000"/>
+              </a:lnSpc>
+              <a:spcBef>
+                <a:spcPts val="1000"/>
+              </a:spcBef>
+              <a:buFont typeface="Arial" panose="020B0604020202020204" pitchFamily="34" charset="0"/>
+              <a:buChar char="•"/>
+              <a:defRPr sz="2800" kern="1200">
+                <a:solidFill>
+                  <a:schemeClr val="tx1"/>
+                </a:solidFill>
+                <a:latin typeface="+mn-lt"/>
+                <a:ea typeface="+mn-ea"/>
+                <a:cs typeface="+mn-cs"/>
+              </a:defRPr>
+            </a:lvl1pPr>
+            <a:lvl2pPr marL="685800" indent="-228600" algn="l" defTabSz="914400" rtl="0" eaLnBrk="1" latinLnBrk="0" hangingPunct="1">
+              <a:lnSpc>
+                <a:spcPct val="90000"/>
+              </a:lnSpc>
+              <a:spcBef>
+                <a:spcPts val="500"/>
+              </a:spcBef>
+              <a:buFont typeface="Arial" panose="020B0604020202020204" pitchFamily="34" charset="0"/>
+              <a:buChar char="•"/>
+              <a:defRPr sz="2400" kern="1200">
+                <a:solidFill>
+                  <a:schemeClr val="tx1"/>
+                </a:solidFill>
+                <a:latin typeface="+mn-lt"/>
+                <a:ea typeface="+mn-ea"/>
+                <a:cs typeface="+mn-cs"/>
+              </a:defRPr>
+            </a:lvl2pPr>
+            <a:lvl3pPr marL="1143000" indent="-228600" algn="l" defTabSz="914400" rtl="0" eaLnBrk="1" latinLnBrk="0" hangingPunct="1">
+              <a:lnSpc>
+                <a:spcPct val="90000"/>
+              </a:lnSpc>
+              <a:spcBef>
+                <a:spcPts val="500"/>
+              </a:spcBef>
+              <a:buFont typeface="Arial" panose="020B0604020202020204" pitchFamily="34" charset="0"/>
+              <a:buChar char="•"/>
+              <a:defRPr sz="2000" kern="1200">
+                <a:solidFill>
+                  <a:schemeClr val="tx1"/>
+                </a:solidFill>
+                <a:latin typeface="+mn-lt"/>
+                <a:ea typeface="+mn-ea"/>
+                <a:cs typeface="+mn-cs"/>
+              </a:defRPr>
+            </a:lvl3pPr>
+            <a:lvl4pPr marL="1600200" indent="-228600" algn="l" defTabSz="914400" rtl="0" eaLnBrk="1" latinLnBrk="0" hangingPunct="1">
+              <a:lnSpc>
+                <a:spcPct val="90000"/>
+              </a:lnSpc>
+              <a:spcBef>
+                <a:spcPts val="500"/>
+              </a:spcBef>
+              <a:buFont typeface="Arial" panose="020B0604020202020204" pitchFamily="34" charset="0"/>
+              <a:buChar char="•"/>
+              <a:defRPr sz="1800" kern="1200">
+                <a:solidFill>
+                  <a:schemeClr val="tx1"/>
+                </a:solidFill>
+                <a:latin typeface="+mn-lt"/>
+                <a:ea typeface="+mn-ea"/>
+                <a:cs typeface="+mn-cs"/>
+              </a:defRPr>
+            </a:lvl4pPr>
+            <a:lvl5pPr marL="2057400" indent="-228600" algn="l" defTabSz="914400" rtl="0" eaLnBrk="1" latinLnBrk="0" hangingPunct="1">
+              <a:lnSpc>
+                <a:spcPct val="90000"/>
+              </a:lnSpc>
+              <a:spcBef>
+                <a:spcPts val="500"/>
+              </a:spcBef>
+              <a:buFont typeface="Arial" panose="020B0604020202020204" pitchFamily="34" charset="0"/>
+              <a:buChar char="•"/>
+              <a:defRPr sz="1800" kern="1200">
+                <a:solidFill>
+                  <a:schemeClr val="tx1"/>
+                </a:solidFill>
+                <a:latin typeface="+mn-lt"/>
+                <a:ea typeface="+mn-ea"/>
+                <a:cs typeface="+mn-cs"/>
+              </a:defRPr>
+            </a:lvl5pPr>
+            <a:lvl6pPr marL="2514600" indent="-228600" algn="l" defTabSz="914400" rtl="0" eaLnBrk="1" latinLnBrk="0" hangingPunct="1">
+              <a:lnSpc>
+                <a:spcPct val="90000"/>
+              </a:lnSpc>
+              <a:spcBef>
+                <a:spcPts val="500"/>
+              </a:spcBef>
+              <a:buFont typeface="Arial" panose="020B0604020202020204" pitchFamily="34" charset="0"/>
+              <a:buChar char="•"/>
+              <a:defRPr sz="1800" kern="1200">
+                <a:solidFill>
+                  <a:schemeClr val="tx1"/>
+                </a:solidFill>
+                <a:latin typeface="+mn-lt"/>
+                <a:ea typeface="+mn-ea"/>
+                <a:cs typeface="+mn-cs"/>
+              </a:defRPr>
+            </a:lvl6pPr>
+            <a:lvl7pPr marL="2971800" indent="-228600" algn="l" defTabSz="914400" rtl="0" eaLnBrk="1" latinLnBrk="0" hangingPunct="1">
+              <a:lnSpc>
+                <a:spcPct val="90000"/>
+              </a:lnSpc>
+              <a:spcBef>
+                <a:spcPts val="500"/>
+              </a:spcBef>
+              <a:buFont typeface="Arial" panose="020B0604020202020204" pitchFamily="34" charset="0"/>
+              <a:buChar char="•"/>
+              <a:defRPr sz="1800" kern="1200">
+                <a:solidFill>
+                  <a:schemeClr val="tx1"/>
+                </a:solidFill>
+                <a:latin typeface="+mn-lt"/>
+                <a:ea typeface="+mn-ea"/>
+                <a:cs typeface="+mn-cs"/>
+              </a:defRPr>
+            </a:lvl7pPr>
+            <a:lvl8pPr marL="3429000" indent="-228600" algn="l" defTabSz="914400" rtl="0" eaLnBrk="1" latinLnBrk="0" hangingPunct="1">
+              <a:lnSpc>
+                <a:spcPct val="90000"/>
+              </a:lnSpc>
+              <a:spcBef>
+                <a:spcPts val="500"/>
+              </a:spcBef>
+              <a:buFont typeface="Arial" panose="020B0604020202020204" pitchFamily="34" charset="0"/>
+              <a:buChar char="•"/>
+              <a:defRPr sz="1800" kern="1200">
+                <a:solidFill>
+                  <a:schemeClr val="tx1"/>
+                </a:solidFill>
+                <a:latin typeface="+mn-lt"/>
+                <a:ea typeface="+mn-ea"/>
+                <a:cs typeface="+mn-cs"/>
+              </a:defRPr>
+            </a:lvl8pPr>
+            <a:lvl9pPr marL="3886200" indent="-228600" algn="l" defTabSz="914400" rtl="0" eaLnBrk="1" latinLnBrk="0" hangingPunct="1">
+              <a:lnSpc>
+                <a:spcPct val="90000"/>
+              </a:lnSpc>
+              <a:spcBef>
+                <a:spcPts val="500"/>
+              </a:spcBef>
+              <a:buFont typeface="Arial" panose="020B0604020202020204" pitchFamily="34" charset="0"/>
+              <a:buChar char="•"/>
+              <a:defRPr sz="1800" kern="1200">
+                <a:solidFill>
+                  <a:schemeClr val="tx1"/>
+                </a:solidFill>
+                <a:latin typeface="+mn-lt"/>
+                <a:ea typeface="+mn-ea"/>
+                <a:cs typeface="+mn-cs"/>
+              </a:defRPr>
+            </a:lvl9pPr>
+          </a:lstStyle>
+          <a:p>
+            <a:r>
+              <a:rPr lang="en-US" dirty="0"/>
+              <a:t>GetStream can handle multiple users concurrently.</a:t>
+            </a:r>
+          </a:p>
+          <a:p>
+            <a:r>
+              <a:rPr lang="en-US" dirty="0"/>
+              <a:t>Distributed Scalable Architecture.</a:t>
+            </a:r>
+          </a:p>
+          <a:p>
+            <a:r>
+              <a:rPr lang="en-US" dirty="0"/>
+              <a:t>Real-Time WebSockets.</a:t>
+            </a:r>
+          </a:p>
+          <a:p>
+            <a:r>
+              <a:rPr lang="en-US" dirty="0"/>
+              <a:t>API Rate Limiting and Throttling.</a:t>
+            </a:r>
+          </a:p>
+          <a:p>
+            <a:r>
+              <a:rPr lang="en-US" dirty="0"/>
+              <a:t>Global Data Centers and CDN Integration.</a:t>
+            </a:r>
+          </a:p>
+          <a:p>
+            <a:r>
+              <a:rPr lang="en-US" dirty="0"/>
+              <a:t>Load Balancing.</a:t>
+            </a:r>
+          </a:p>
+          <a:p>
+            <a:r>
+              <a:rPr lang="en-US" dirty="0"/>
+              <a:t>Strong Backend Infrastructure and Microservices Architecture</a:t>
+            </a:r>
+          </a:p>
+          <a:p>
+            <a:endParaRPr lang="en-US" dirty="0"/>
+          </a:p>
+        </p:txBody>
+      </p:sp>
+    </p:spTree>
+    <p:extLst>
+      <p:ext uri="{BB962C8B-B14F-4D97-AF65-F5344CB8AC3E}">
+        <p14:creationId xmlns:p14="http://schemas.microsoft.com/office/powerpoint/2010/main" val="1971010252"/>
+      </p:ext>
+    </p:extLst>
+  </p:cSld>
+  <p:clrMapOvr>
+    <a:masterClrMapping/>
+  </p:clrMapOvr>
+</p:sld>
+</file>
+
+<file path=ppt/slides/slide14.xml><?xml version="1.0" encoding="utf-8"?>
+<p:sld xmlns:a="http://schemas.openxmlformats.org/drawingml/2006/main" xmlns:r="http://schemas.openxmlformats.org/officeDocument/2006/relationships" xmlns:p="http://schemas.openxmlformats.org/presentationml/2006/main">
+  <p:cSld>
+    <p:bg>
+      <p:bgPr>
+        <a:blipFill dpi="0" rotWithShape="1">
+          <a:blip r:embed="rId2">
+            <a:alphaModFix amt="46000"/>
+            <a:lum/>
+          </a:blip>
+          <a:srcRect/>
+          <a:stretch>
+            <a:fillRect/>
+          </a:stretch>
+        </a:blipFill>
+        <a:effectLst/>
+      </p:bgPr>
+    </p:bg>
+    <p:spTree>
+      <p:nvGrpSpPr>
+        <p:cNvPr id="1" name="">
+          <a:extLst>
+            <a:ext uri="{FF2B5EF4-FFF2-40B4-BE49-F238E27FC236}">
+              <a16:creationId xmlns:a16="http://schemas.microsoft.com/office/drawing/2014/main" id="{3DDA5972-57A9-4A12-85E9-A05D2660C687}"/>
+            </a:ext>
+          </a:extLst>
+        </p:cNvPr>
+        <p:cNvGrpSpPr/>
+        <p:nvPr/>
+      </p:nvGrpSpPr>
+      <p:grpSpPr>
+        <a:xfrm>
+          <a:off x="0" y="0"/>
+          <a:ext cx="0" cy="0"/>
+          <a:chOff x="0" y="0"/>
+          <a:chExt cx="0" cy="0"/>
+        </a:xfrm>
+      </p:grpSpPr>
+      <p:sp>
+        <p:nvSpPr>
+          <p:cNvPr id="2" name="Title 1">
+            <a:extLst>
+              <a:ext uri="{FF2B5EF4-FFF2-40B4-BE49-F238E27FC236}">
+                <a16:creationId xmlns:a16="http://schemas.microsoft.com/office/drawing/2014/main" id="{44A8E59F-C062-54B7-3258-5BB7EAD2648A}"/>
+              </a:ext>
+            </a:extLst>
+          </p:cNvPr>
+          <p:cNvSpPr txBox="1">
+            <a:spLocks/>
+          </p:cNvSpPr>
+          <p:nvPr/>
+        </p:nvSpPr>
+        <p:spPr>
+          <a:xfrm>
+            <a:off x="838200" y="365125"/>
+            <a:ext cx="10515600" cy="1325563"/>
+          </a:xfrm>
+          <a:prstGeom prst="rect">
+            <a:avLst/>
+          </a:prstGeom>
+        </p:spPr>
+        <p:txBody>
+          <a:bodyPr/>
+          <a:lstStyle>
+            <a:lvl1pPr algn="l" defTabSz="914400" rtl="0" eaLnBrk="1" latinLnBrk="0" hangingPunct="1">
+              <a:lnSpc>
+                <a:spcPct val="90000"/>
+              </a:lnSpc>
+              <a:spcBef>
+                <a:spcPct val="0"/>
+              </a:spcBef>
+              <a:buNone/>
+              <a:defRPr sz="4400" kern="1200">
+                <a:solidFill>
+                  <a:schemeClr val="tx1"/>
+                </a:solidFill>
+                <a:latin typeface="+mj-lt"/>
+                <a:ea typeface="+mj-ea"/>
+                <a:cs typeface="+mj-cs"/>
+              </a:defRPr>
+            </a:lvl1pPr>
+          </a:lstStyle>
+          <a:p>
+            <a:r>
+              <a:rPr lang="en-US" dirty="0"/>
+              <a:t>Get Stream can Handle Multiple Users</a:t>
+            </a:r>
+          </a:p>
+        </p:txBody>
+      </p:sp>
+      <p:sp>
+        <p:nvSpPr>
+          <p:cNvPr id="4" name="Content Placeholder 2">
+            <a:extLst>
+              <a:ext uri="{FF2B5EF4-FFF2-40B4-BE49-F238E27FC236}">
+                <a16:creationId xmlns:a16="http://schemas.microsoft.com/office/drawing/2014/main" id="{99823947-5BDC-9F53-8200-3FAFF913DE5A}"/>
+              </a:ext>
+            </a:extLst>
+          </p:cNvPr>
+          <p:cNvSpPr txBox="1">
+            <a:spLocks/>
+          </p:cNvSpPr>
+          <p:nvPr/>
+        </p:nvSpPr>
+        <p:spPr>
+          <a:xfrm>
+            <a:off x="838200" y="1825625"/>
+            <a:ext cx="10515600" cy="4351338"/>
+          </a:xfrm>
+          <a:prstGeom prst="rect">
+            <a:avLst/>
+          </a:prstGeom>
+        </p:spPr>
+        <p:txBody>
+          <a:bodyPr/>
+          <a:lstStyle>
+            <a:lvl1pPr marL="228600" indent="-228600" algn="l" defTabSz="914400" rtl="0" eaLnBrk="1" latinLnBrk="0" hangingPunct="1">
+              <a:lnSpc>
+                <a:spcPct val="90000"/>
+              </a:lnSpc>
+              <a:spcBef>
+                <a:spcPts val="1000"/>
+              </a:spcBef>
+              <a:buFont typeface="Arial" panose="020B0604020202020204" pitchFamily="34" charset="0"/>
+              <a:buChar char="•"/>
+              <a:defRPr sz="2800" kern="1200">
+                <a:solidFill>
+                  <a:schemeClr val="tx1"/>
+                </a:solidFill>
+                <a:latin typeface="+mn-lt"/>
+                <a:ea typeface="+mn-ea"/>
+                <a:cs typeface="+mn-cs"/>
+              </a:defRPr>
+            </a:lvl1pPr>
+            <a:lvl2pPr marL="685800" indent="-228600" algn="l" defTabSz="914400" rtl="0" eaLnBrk="1" latinLnBrk="0" hangingPunct="1">
+              <a:lnSpc>
+                <a:spcPct val="90000"/>
+              </a:lnSpc>
+              <a:spcBef>
+                <a:spcPts val="500"/>
+              </a:spcBef>
+              <a:buFont typeface="Arial" panose="020B0604020202020204" pitchFamily="34" charset="0"/>
+              <a:buChar char="•"/>
+              <a:defRPr sz="2400" kern="1200">
+                <a:solidFill>
+                  <a:schemeClr val="tx1"/>
+                </a:solidFill>
+                <a:latin typeface="+mn-lt"/>
+                <a:ea typeface="+mn-ea"/>
+                <a:cs typeface="+mn-cs"/>
+              </a:defRPr>
+            </a:lvl2pPr>
+            <a:lvl3pPr marL="1143000" indent="-228600" algn="l" defTabSz="914400" rtl="0" eaLnBrk="1" latinLnBrk="0" hangingPunct="1">
+              <a:lnSpc>
+                <a:spcPct val="90000"/>
+              </a:lnSpc>
+              <a:spcBef>
+                <a:spcPts val="500"/>
+              </a:spcBef>
+              <a:buFont typeface="Arial" panose="020B0604020202020204" pitchFamily="34" charset="0"/>
+              <a:buChar char="•"/>
+              <a:defRPr sz="2000" kern="1200">
+                <a:solidFill>
+                  <a:schemeClr val="tx1"/>
+                </a:solidFill>
+                <a:latin typeface="+mn-lt"/>
+                <a:ea typeface="+mn-ea"/>
+                <a:cs typeface="+mn-cs"/>
+              </a:defRPr>
+            </a:lvl3pPr>
+            <a:lvl4pPr marL="1600200" indent="-228600" algn="l" defTabSz="914400" rtl="0" eaLnBrk="1" latinLnBrk="0" hangingPunct="1">
+              <a:lnSpc>
+                <a:spcPct val="90000"/>
+              </a:lnSpc>
+              <a:spcBef>
+                <a:spcPts val="500"/>
+              </a:spcBef>
+              <a:buFont typeface="Arial" panose="020B0604020202020204" pitchFamily="34" charset="0"/>
+              <a:buChar char="•"/>
+              <a:defRPr sz="1800" kern="1200">
+                <a:solidFill>
+                  <a:schemeClr val="tx1"/>
+                </a:solidFill>
+                <a:latin typeface="+mn-lt"/>
+                <a:ea typeface="+mn-ea"/>
+                <a:cs typeface="+mn-cs"/>
+              </a:defRPr>
+            </a:lvl4pPr>
+            <a:lvl5pPr marL="2057400" indent="-228600" algn="l" defTabSz="914400" rtl="0" eaLnBrk="1" latinLnBrk="0" hangingPunct="1">
+              <a:lnSpc>
+                <a:spcPct val="90000"/>
+              </a:lnSpc>
+              <a:spcBef>
+                <a:spcPts val="500"/>
+              </a:spcBef>
+              <a:buFont typeface="Arial" panose="020B0604020202020204" pitchFamily="34" charset="0"/>
+              <a:buChar char="•"/>
+              <a:defRPr sz="1800" kern="1200">
+                <a:solidFill>
+                  <a:schemeClr val="tx1"/>
+                </a:solidFill>
+                <a:latin typeface="+mn-lt"/>
+                <a:ea typeface="+mn-ea"/>
+                <a:cs typeface="+mn-cs"/>
+              </a:defRPr>
+            </a:lvl5pPr>
+            <a:lvl6pPr marL="2514600" indent="-228600" algn="l" defTabSz="914400" rtl="0" eaLnBrk="1" latinLnBrk="0" hangingPunct="1">
+              <a:lnSpc>
+                <a:spcPct val="90000"/>
+              </a:lnSpc>
+              <a:spcBef>
+                <a:spcPts val="500"/>
+              </a:spcBef>
+              <a:buFont typeface="Arial" panose="020B0604020202020204" pitchFamily="34" charset="0"/>
+              <a:buChar char="•"/>
+              <a:defRPr sz="1800" kern="1200">
+                <a:solidFill>
+                  <a:schemeClr val="tx1"/>
+                </a:solidFill>
+                <a:latin typeface="+mn-lt"/>
+                <a:ea typeface="+mn-ea"/>
+                <a:cs typeface="+mn-cs"/>
+              </a:defRPr>
+            </a:lvl6pPr>
+            <a:lvl7pPr marL="2971800" indent="-228600" algn="l" defTabSz="914400" rtl="0" eaLnBrk="1" latinLnBrk="0" hangingPunct="1">
+              <a:lnSpc>
+                <a:spcPct val="90000"/>
+              </a:lnSpc>
+              <a:spcBef>
+                <a:spcPts val="500"/>
+              </a:spcBef>
+              <a:buFont typeface="Arial" panose="020B0604020202020204" pitchFamily="34" charset="0"/>
+              <a:buChar char="•"/>
+              <a:defRPr sz="1800" kern="1200">
+                <a:solidFill>
+                  <a:schemeClr val="tx1"/>
+                </a:solidFill>
+                <a:latin typeface="+mn-lt"/>
+                <a:ea typeface="+mn-ea"/>
+                <a:cs typeface="+mn-cs"/>
+              </a:defRPr>
+            </a:lvl7pPr>
+            <a:lvl8pPr marL="3429000" indent="-228600" algn="l" defTabSz="914400" rtl="0" eaLnBrk="1" latinLnBrk="0" hangingPunct="1">
+              <a:lnSpc>
+                <a:spcPct val="90000"/>
+              </a:lnSpc>
+              <a:spcBef>
+                <a:spcPts val="500"/>
+              </a:spcBef>
+              <a:buFont typeface="Arial" panose="020B0604020202020204" pitchFamily="34" charset="0"/>
+              <a:buChar char="•"/>
+              <a:defRPr sz="1800" kern="1200">
+                <a:solidFill>
+                  <a:schemeClr val="tx1"/>
+                </a:solidFill>
+                <a:latin typeface="+mn-lt"/>
+                <a:ea typeface="+mn-ea"/>
+                <a:cs typeface="+mn-cs"/>
+              </a:defRPr>
+            </a:lvl8pPr>
+            <a:lvl9pPr marL="3886200" indent="-228600" algn="l" defTabSz="914400" rtl="0" eaLnBrk="1" latinLnBrk="0" hangingPunct="1">
+              <a:lnSpc>
+                <a:spcPct val="90000"/>
+              </a:lnSpc>
+              <a:spcBef>
+                <a:spcPts val="500"/>
+              </a:spcBef>
+              <a:buFont typeface="Arial" panose="020B0604020202020204" pitchFamily="34" charset="0"/>
+              <a:buChar char="•"/>
+              <a:defRPr sz="1800" kern="1200">
+                <a:solidFill>
+                  <a:schemeClr val="tx1"/>
+                </a:solidFill>
+                <a:latin typeface="+mn-lt"/>
+                <a:ea typeface="+mn-ea"/>
+                <a:cs typeface="+mn-cs"/>
+              </a:defRPr>
+            </a:lvl9pPr>
+          </a:lstStyle>
+          <a:p>
+            <a:r>
+              <a:rPr lang="en-US" dirty="0"/>
+              <a:t>GetStream is designed to support </a:t>
+            </a:r>
+            <a:r>
+              <a:rPr lang="en-US" b="1" dirty="0"/>
+              <a:t>tens of thousands</a:t>
+            </a:r>
+            <a:r>
+              <a:rPr lang="en-US" dirty="0"/>
+              <a:t> of concurrent connections per channel</a:t>
+            </a:r>
+          </a:p>
+          <a:p>
+            <a:r>
+              <a:rPr lang="en-US" dirty="0"/>
+              <a:t>Can scale to handle </a:t>
+            </a:r>
+            <a:r>
+              <a:rPr lang="en-US" b="1" dirty="0"/>
+              <a:t>millions</a:t>
+            </a:r>
+            <a:r>
+              <a:rPr lang="en-US" dirty="0"/>
+              <a:t> of users across multiple channels.</a:t>
+            </a:r>
+          </a:p>
+          <a:p>
+            <a:r>
+              <a:rPr lang="en-US" dirty="0"/>
+              <a:t>GetStream offers </a:t>
+            </a:r>
+            <a:r>
+              <a:rPr lang="en-US" b="1" dirty="0"/>
+              <a:t>enterprise-level solutions, which include additional scaling options, dedicated infrastructure, and technical support</a:t>
+            </a:r>
+          </a:p>
+        </p:txBody>
+      </p:sp>
+    </p:spTree>
+    <p:extLst>
+      <p:ext uri="{BB962C8B-B14F-4D97-AF65-F5344CB8AC3E}">
+        <p14:creationId xmlns:p14="http://schemas.microsoft.com/office/powerpoint/2010/main" val="1850676781"/>
       </p:ext>
     </p:extLst>
   </p:cSld>

--- a/Report & PPT/Project Work/Ppt/Technologies Used.pptx
+++ b/Report & PPT/Project Work/Ppt/Technologies Used.pptx
@@ -272,7 +272,7 @@
           <a:p>
             <a:fld id="{25B2FB54-3C7D-4DDE-ABA0-C23E3477CEFB}" type="datetimeFigureOut">
               <a:rPr lang="en-US" smtClean="0"/>
-              <a:t>30-Oct-24</a:t>
+              <a:t>26-Nov-24</a:t>
             </a:fld>
             <a:endParaRPr lang="en-US"/>
           </a:p>
@@ -470,7 +470,7 @@
           <a:p>
             <a:fld id="{25B2FB54-3C7D-4DDE-ABA0-C23E3477CEFB}" type="datetimeFigureOut">
               <a:rPr lang="en-US" smtClean="0"/>
-              <a:t>30-Oct-24</a:t>
+              <a:t>26-Nov-24</a:t>
             </a:fld>
             <a:endParaRPr lang="en-US"/>
           </a:p>
@@ -678,7 +678,7 @@
           <a:p>
             <a:fld id="{25B2FB54-3C7D-4DDE-ABA0-C23E3477CEFB}" type="datetimeFigureOut">
               <a:rPr lang="en-US" smtClean="0"/>
-              <a:t>30-Oct-24</a:t>
+              <a:t>26-Nov-24</a:t>
             </a:fld>
             <a:endParaRPr lang="en-US"/>
           </a:p>
@@ -876,7 +876,7 @@
           <a:p>
             <a:fld id="{25B2FB54-3C7D-4DDE-ABA0-C23E3477CEFB}" type="datetimeFigureOut">
               <a:rPr lang="en-US" smtClean="0"/>
-              <a:t>30-Oct-24</a:t>
+              <a:t>26-Nov-24</a:t>
             </a:fld>
             <a:endParaRPr lang="en-US"/>
           </a:p>
@@ -1151,7 +1151,7 @@
           <a:p>
             <a:fld id="{25B2FB54-3C7D-4DDE-ABA0-C23E3477CEFB}" type="datetimeFigureOut">
               <a:rPr lang="en-US" smtClean="0"/>
-              <a:t>30-Oct-24</a:t>
+              <a:t>26-Nov-24</a:t>
             </a:fld>
             <a:endParaRPr lang="en-US"/>
           </a:p>
@@ -1416,7 +1416,7 @@
           <a:p>
             <a:fld id="{25B2FB54-3C7D-4DDE-ABA0-C23E3477CEFB}" type="datetimeFigureOut">
               <a:rPr lang="en-US" smtClean="0"/>
-              <a:t>30-Oct-24</a:t>
+              <a:t>26-Nov-24</a:t>
             </a:fld>
             <a:endParaRPr lang="en-US"/>
           </a:p>
@@ -1828,7 +1828,7 @@
           <a:p>
             <a:fld id="{25B2FB54-3C7D-4DDE-ABA0-C23E3477CEFB}" type="datetimeFigureOut">
               <a:rPr lang="en-US" smtClean="0"/>
-              <a:t>30-Oct-24</a:t>
+              <a:t>26-Nov-24</a:t>
             </a:fld>
             <a:endParaRPr lang="en-US"/>
           </a:p>
@@ -1969,7 +1969,7 @@
           <a:p>
             <a:fld id="{25B2FB54-3C7D-4DDE-ABA0-C23E3477CEFB}" type="datetimeFigureOut">
               <a:rPr lang="en-US" smtClean="0"/>
-              <a:t>30-Oct-24</a:t>
+              <a:t>26-Nov-24</a:t>
             </a:fld>
             <a:endParaRPr lang="en-US"/>
           </a:p>
@@ -2082,7 +2082,7 @@
           <a:p>
             <a:fld id="{25B2FB54-3C7D-4DDE-ABA0-C23E3477CEFB}" type="datetimeFigureOut">
               <a:rPr lang="en-US" smtClean="0"/>
-              <a:t>30-Oct-24</a:t>
+              <a:t>26-Nov-24</a:t>
             </a:fld>
             <a:endParaRPr lang="en-US"/>
           </a:p>
@@ -2393,7 +2393,7 @@
           <a:p>
             <a:fld id="{25B2FB54-3C7D-4DDE-ABA0-C23E3477CEFB}" type="datetimeFigureOut">
               <a:rPr lang="en-US" smtClean="0"/>
-              <a:t>30-Oct-24</a:t>
+              <a:t>26-Nov-24</a:t>
             </a:fld>
             <a:endParaRPr lang="en-US"/>
           </a:p>
@@ -2681,7 +2681,7 @@
           <a:p>
             <a:fld id="{25B2FB54-3C7D-4DDE-ABA0-C23E3477CEFB}" type="datetimeFigureOut">
               <a:rPr lang="en-US" smtClean="0"/>
-              <a:t>30-Oct-24</a:t>
+              <a:t>26-Nov-24</a:t>
             </a:fld>
             <a:endParaRPr lang="en-US"/>
           </a:p>
@@ -2922,7 +2922,7 @@
           <a:p>
             <a:fld id="{25B2FB54-3C7D-4DDE-ABA0-C23E3477CEFB}" type="datetimeFigureOut">
               <a:rPr lang="en-US" smtClean="0"/>
-              <a:t>30-Oct-24</a:t>
+              <a:t>26-Nov-24</a:t>
             </a:fld>
             <a:endParaRPr lang="en-US"/>
           </a:p>
@@ -4315,6 +4315,9 @@
             </a:r>
           </a:p>
           <a:p>
+            <a:pPr marL="0" indent="0">
+              <a:buNone/>
+            </a:pPr>
             <a:endParaRPr lang="en-US" dirty="0"/>
           </a:p>
         </p:txBody>
